--- a/PPT/02.타입스크립트 - 클래스, 모듈, 제네릭.pptx
+++ b/PPT/02.타입스크립트 - 클래스, 모듈, 제네릭.pptx
@@ -9452,7 +9452,7 @@
                 <a:effectLst/>
                 <a:latin typeface="Consolas" panose="020B0609020204030204" pitchFamily="49" charset="0"/>
               </a:rPr>
-              <a:t>import</a:t>
+              <a:t>import type</a:t>
             </a:r>
             <a:r>
               <a:rPr lang="en-US" altLang="ko-KR" b="0">
